--- a/presentation/uniHD_tsar.pptx
+++ b/presentation/uniHD_tsar.pptx
@@ -14516,6 +14516,33 @@
                                   </p:childTnLst>
                                 </p:cTn>
                               </p:par>
+                              <p:par>
+                                <p:cTn id="11" presetID="1" presetClass="entr" presetSubtype="0" fill="hold" nodeType="withEffect">
+                                  <p:stCondLst>
+                                    <p:cond delay="0"/>
+                                  </p:stCondLst>
+                                  <p:childTnLst>
+                                    <p:set>
+                                      <p:cBhvr>
+                                        <p:cTn id="12" dur="1" fill="hold">
+                                          <p:stCondLst>
+                                            <p:cond delay="0"/>
+                                          </p:stCondLst>
+                                        </p:cTn>
+                                        <p:tgtEl>
+                                          <p:spTgt spid="7"/>
+                                        </p:tgtEl>
+                                        <p:attrNameLst>
+                                          <p:attrName>style.visibility</p:attrName>
+                                        </p:attrNameLst>
+                                      </p:cBhvr>
+                                      <p:to>
+                                        <p:strVal val="visible"/>
+                                      </p:to>
+                                    </p:set>
+                                  </p:childTnLst>
+                                </p:cTn>
+                              </p:par>
                             </p:childTnLst>
                           </p:cTn>
                         </p:par>
@@ -19236,12 +19263,24 @@
             </a:r>
             <a:r>
               <a:rPr lang="en-US" sz="1000" b="0" strike="noStrike" spc="-1" dirty="0">
+                <a:solidFill>
+                  <a:srgbClr val="C61826"/>
+                </a:solidFill>
                 <a:latin typeface="TradeGothic LT"/>
-                <a:hlinkClick r:id="rId2"/>
+                <a:hlinkClick r:id="rId2">
+                  <a:extLst>
+                    <a:ext uri="{A12FA001-AC4F-418D-AE19-62706E023703}">
+                      <ahyp:hlinkClr xmlns:ahyp="http://schemas.microsoft.com/office/drawing/2018/hyperlinkcolor" val="tx"/>
+                    </a:ext>
+                  </a:extLst>
+                </a:hlinkClick>
               </a:rPr>
               <a:t>https://freecontent.manning.com/neural-network-architectures/</a:t>
             </a:r>
             <a:endParaRPr lang="en-US" sz="1000" b="0" strike="noStrike" spc="-1" dirty="0">
+              <a:solidFill>
+                <a:srgbClr val="C61826"/>
+              </a:solidFill>
               <a:latin typeface="TradeGothic LT"/>
             </a:endParaRPr>
           </a:p>
